--- a/GSOE9758/ASS/PPT mod.pptx
+++ b/GSOE9758/ASS/PPT mod.pptx
@@ -24,9 +24,9 @@
     <p:sldId id="423" r:id="rId12"/>
     <p:sldId id="421" r:id="rId13"/>
     <p:sldId id="410" r:id="rId14"/>
-    <p:sldId id="413" r:id="rId15"/>
-    <p:sldId id="414" r:id="rId16"/>
-    <p:sldId id="415" r:id="rId17"/>
+    <p:sldId id="425" r:id="rId15"/>
+    <p:sldId id="426" r:id="rId16"/>
+    <p:sldId id="427" r:id="rId17"/>
     <p:sldId id="397" r:id="rId18"/>
     <p:sldId id="411" r:id="rId19"/>
   </p:sldIdLst>
@@ -3260,7 +3260,7 @@
           <a:p>
             <a:fld id="{0F9B84EA-7D68-4D60-9CB1-D50884785D1C}" type="datetimeFigureOut">
               <a:rPr lang="zh-CN" altLang="en-US" smtClean="0"/>
-              <a:t>2022/3/12</a:t>
+              <a:t>2022/3/14</a:t>
             </a:fld>
             <a:endParaRPr lang="zh-CN" altLang="en-US"/>
           </a:p>
@@ -3425,7 +3425,7 @@
           <a:p>
             <a:fld id="{EA58F2E1-D877-4929-9A5F-5EE0EE04CDA5}" type="datetimeFigureOut">
               <a:rPr lang="zh-CN" altLang="en-US" smtClean="0"/>
-              <a:t>2022/3/12</a:t>
+              <a:t>2022/3/14</a:t>
             </a:fld>
             <a:endParaRPr lang="zh-CN" altLang="en-US"/>
           </a:p>
@@ -5467,7 +5467,7 @@
           <a:p>
             <a:fld id="{C9CDAAE1-C7C8-47D0-8F3F-FBCF298C5262}" type="datetimeFigureOut">
               <a:rPr lang="zh-CN" altLang="en-US" smtClean="0"/>
-              <a:t>2022/3/12</a:t>
+              <a:t>2022/3/14</a:t>
             </a:fld>
             <a:endParaRPr lang="zh-CN" altLang="en-US"/>
           </a:p>
@@ -15304,8 +15304,8 @@
         </p:nvSpPr>
         <p:spPr>
           <a:xfrm>
-            <a:off x="2095917" y="3370009"/>
-            <a:ext cx="4670204" cy="646331"/>
+            <a:off x="2095916" y="3370009"/>
+            <a:ext cx="5385292" cy="646331"/>
           </a:xfrm>
           <a:prstGeom prst="rect">
             <a:avLst/>
@@ -15349,7 +15349,7 @@
                 <a:ea typeface="微软雅黑" panose="020B0503020204020204" charset="-122"/>
                 <a:cs typeface="+mn-cs"/>
               </a:rPr>
-              <a:t>Operating revenues return to pre-pandemic levels, increasing by 14.8%</a:t>
+              <a:t>Operating revenues return to pre-pandemic levels in 2022, increasing by 14.8%</a:t>
             </a:r>
             <a:endParaRPr kumimoji="0" lang="zh-CN" altLang="en-US" sz="1800" b="0" i="0" u="none" strike="noStrike" kern="1200" cap="none" spc="0" normalizeH="0" baseline="0" noProof="0" dirty="0">
               <a:ln>
@@ -15377,7 +15377,7 @@
         <p:spPr>
           <a:xfrm>
             <a:off x="2095917" y="4519260"/>
-            <a:ext cx="3996865" cy="645795"/>
+            <a:ext cx="4862538" cy="646331"/>
           </a:xfrm>
           <a:prstGeom prst="rect">
             <a:avLst/>
@@ -15407,7 +15407,17 @@
               <a:defRPr/>
             </a:pPr>
             <a:r>
-              <a:rPr kumimoji="0" lang="en-AU" sz="1800" b="1" i="0" u="none" strike="noStrike" kern="1200" cap="none" spc="0" normalizeH="0" baseline="0" noProof="0" dirty="0">
+              <a:rPr lang="en-AU" b="1" dirty="0">
+                <a:solidFill>
+                  <a:prstClr val="black"/>
+                </a:solidFill>
+                <a:latin typeface="微软雅黑" panose="020B0503020204020204" charset="-122"/>
+                <a:ea typeface="微软雅黑" panose="020B0503020204020204" charset="-122"/>
+              </a:rPr>
+              <a:t>Keep on p</a:t>
+            </a:r>
+            <a:r>
+              <a:rPr kumimoji="0" lang="en-AU" sz="1800" b="1" i="0" u="none" strike="noStrike" kern="1200" cap="none" spc="0" normalizeH="0" baseline="0" noProof="0" dirty="0" err="1">
                 <a:ln>
                   <a:noFill/>
                 </a:ln>
@@ -15421,7 +15431,24 @@
                 <a:ea typeface="微软雅黑" panose="020B0503020204020204" charset="-122"/>
                 <a:cs typeface="+mn-cs"/>
               </a:rPr>
-              <a:t>Promoting Logistics 4.0 through Industrial upgrading</a:t>
+              <a:t>romoting</a:t>
+            </a:r>
+            <a:r>
+              <a:rPr kumimoji="0" lang="en-AU" sz="1800" b="1" i="0" u="none" strike="noStrike" kern="1200" cap="none" spc="0" normalizeH="0" baseline="0" noProof="0" dirty="0">
+                <a:ln>
+                  <a:noFill/>
+                </a:ln>
+                <a:solidFill>
+                  <a:prstClr val="black"/>
+                </a:solidFill>
+                <a:effectLst/>
+                <a:uLnTx/>
+                <a:uFillTx/>
+                <a:latin typeface="微软雅黑" panose="020B0503020204020204" charset="-122"/>
+                <a:ea typeface="微软雅黑" panose="020B0503020204020204" charset="-122"/>
+                <a:cs typeface="+mn-cs"/>
+              </a:rPr>
+              <a:t> Logistics 4.0 in the following 5 years</a:t>
             </a:r>
             <a:endParaRPr kumimoji="0" lang="zh-CN" altLang="en-US" sz="1800" b="1" i="0" u="none" strike="noStrike" kern="1200" cap="none" spc="0" normalizeH="0" baseline="0" noProof="0" dirty="0">
               <a:ln>
@@ -15449,7 +15476,7 @@
         <p:spPr>
           <a:xfrm>
             <a:off x="2095917" y="5667975"/>
-            <a:ext cx="5099050" cy="645160"/>
+            <a:ext cx="5264504" cy="923330"/>
           </a:xfrm>
           <a:prstGeom prst="rect">
             <a:avLst/>
@@ -15462,6 +15489,45 @@
           </a:bodyPr>
           <a:lstStyle/>
           <a:p>
+            <a:pPr>
+              <a:defRPr/>
+            </a:pPr>
+            <a:r>
+              <a:rPr kumimoji="0" lang="en-AU" sz="1800" b="1" i="0" u="none" strike="noStrike" kern="1200" cap="none" spc="0" normalizeH="0" baseline="0" noProof="0" dirty="0">
+                <a:ln>
+                  <a:noFill/>
+                </a:ln>
+                <a:solidFill>
+                  <a:prstClr val="black"/>
+                </a:solidFill>
+                <a:effectLst/>
+                <a:uLnTx/>
+                <a:uFillTx/>
+                <a:latin typeface="微软雅黑" panose="020B0503020204020204" charset="-122"/>
+                <a:ea typeface="微软雅黑" panose="020B0503020204020204" charset="-122"/>
+                <a:cs typeface="+mn-cs"/>
+              </a:rPr>
+              <a:t>Develop Green-logistics in the following 5 years, </a:t>
+            </a:r>
+            <a:r>
+              <a:rPr lang="en-AU" b="1" dirty="0">
+                <a:solidFill>
+                  <a:prstClr val="black"/>
+                </a:solidFill>
+                <a:latin typeface="微软雅黑" panose="020B0503020204020204" charset="-122"/>
+                <a:ea typeface="微软雅黑" panose="020B0503020204020204" charset="-122"/>
+              </a:rPr>
+              <a:t>reduce emission load by 5% per year </a:t>
+            </a:r>
+            <a:endParaRPr lang="en-AU" altLang="en-US" b="1" dirty="0">
+              <a:solidFill>
+                <a:prstClr val="black"/>
+              </a:solidFill>
+              <a:latin typeface="微软雅黑" panose="020B0503020204020204" charset="-122"/>
+              <a:ea typeface="微软雅黑" panose="020B0503020204020204" charset="-122"/>
+            </a:endParaRPr>
+          </a:p>
+          <a:p>
             <a:pPr marL="0" marR="0" lvl="0" indent="0" algn="l" defTabSz="914400" rtl="0" eaLnBrk="1" fontAlgn="auto" latinLnBrk="0" hangingPunct="1">
               <a:lnSpc>
                 <a:spcPct val="100000"/>
@@ -15478,57 +15544,6 @@
               <a:buNone/>
               <a:defRPr/>
             </a:pPr>
-            <a:r>
-              <a:rPr kumimoji="0" lang="en-AU" sz="1800" b="1" i="0" u="none" strike="noStrike" kern="1200" cap="none" spc="0" normalizeH="0" baseline="0" noProof="0" dirty="0">
-                <a:ln>
-                  <a:noFill/>
-                </a:ln>
-                <a:solidFill>
-                  <a:prstClr val="black"/>
-                </a:solidFill>
-                <a:effectLst/>
-                <a:uLnTx/>
-                <a:uFillTx/>
-                <a:latin typeface="微软雅黑" panose="020B0503020204020204" charset="-122"/>
-                <a:ea typeface="微软雅黑" panose="020B0503020204020204" charset="-122"/>
-                <a:cs typeface="+mn-cs"/>
-              </a:rPr>
-              <a:t>Develop Green-logistics which</a:t>
-            </a:r>
-            <a:r>
-              <a:rPr kumimoji="0" lang="en-US" altLang="en-AU" sz="1800" b="1" i="0" u="none" strike="noStrike" kern="1200" cap="none" spc="0" normalizeH="0" baseline="0" noProof="0" dirty="0">
-                <a:ln>
-                  <a:noFill/>
-                </a:ln>
-                <a:solidFill>
-                  <a:prstClr val="black"/>
-                </a:solidFill>
-                <a:effectLst/>
-                <a:uLnTx/>
-                <a:uFillTx/>
-                <a:latin typeface="微软雅黑" panose="020B0503020204020204" charset="-122"/>
-                <a:ea typeface="微软雅黑" panose="020B0503020204020204" charset="-122"/>
-                <a:cs typeface="+mn-cs"/>
-              </a:rPr>
-              <a:t> </a:t>
-            </a:r>
-            <a:r>
-              <a:rPr kumimoji="0" lang="en-AU" sz="1800" b="1" i="0" u="none" strike="noStrike" kern="1200" cap="none" spc="0" normalizeH="0" baseline="0" noProof="0" dirty="0">
-                <a:ln>
-                  <a:noFill/>
-                </a:ln>
-                <a:solidFill>
-                  <a:prstClr val="black"/>
-                </a:solidFill>
-                <a:effectLst/>
-                <a:uLnTx/>
-                <a:uFillTx/>
-                <a:latin typeface="微软雅黑" panose="020B0503020204020204" charset="-122"/>
-                <a:ea typeface="微软雅黑" panose="020B0503020204020204" charset="-122"/>
-                <a:cs typeface="+mn-cs"/>
-              </a:rPr>
-              <a:t>aiming at reducing the environmental impact.</a:t>
-            </a:r>
             <a:endParaRPr kumimoji="0" lang="zh-CN" altLang="en-US" sz="1800" b="1" i="0" u="none" strike="noStrike" kern="1200" cap="none" spc="0" normalizeH="0" baseline="0" noProof="0" dirty="0">
               <a:ln>
                 <a:noFill/>
@@ -20165,7 +20180,7 @@
                         <a:rPr lang="en-AU" sz="1600" kern="1200" dirty="0">
                           <a:effectLst/>
                         </a:rPr>
-                        <a:t>Operating revenues return to pre-pandemic levels, increasing by 14.8%</a:t>
+                        <a:t>Operating revenues return to pre-pandemic levels in 2022, increasing by 14.8%</a:t>
                       </a:r>
                       <a:endParaRPr lang="en-AU" altLang="en-US" sz="1600" kern="1200" dirty="0">
                         <a:effectLst/>
@@ -20299,10 +20314,22 @@
                     <a:p>
                       <a:pPr marL="0" algn="ctr" defTabSz="914400" rtl="0" eaLnBrk="1" latinLnBrk="0" hangingPunct="1"/>
                       <a:r>
+                        <a:rPr lang="en-US" altLang="zh-CN" sz="1600" kern="1200" dirty="0">
+                          <a:effectLst/>
+                        </a:rPr>
+                        <a:t>Keep on p</a:t>
+                      </a:r>
+                      <a:r>
+                        <a:rPr lang="en-AU" sz="1600" kern="1200" dirty="0" err="1">
+                          <a:effectLst/>
+                        </a:rPr>
+                        <a:t>romoting</a:t>
+                      </a:r>
+                      <a:r>
                         <a:rPr lang="en-AU" sz="1600" kern="1200" dirty="0">
                           <a:effectLst/>
                         </a:rPr>
-                        <a:t>Promoting Logistics 4.0 through Industrial upgrading</a:t>
+                        <a:t> Logistics 4.0 in the following 5 years</a:t>
                       </a:r>
                       <a:endParaRPr lang="en-AU" altLang="en-US" sz="1600" kern="1200" dirty="0">
                         <a:effectLst/>
@@ -20492,7 +20519,16 @@
                         <a:rPr lang="en-AU" sz="1600" kern="1200" dirty="0">
                           <a:effectLst/>
                         </a:rPr>
-                        <a:t> Green-logistics which aiming at reducing the environmental impact.</a:t>
+                        <a:t> Green-logistics in the following 5 years, </a:t>
+                      </a:r>
+                    </a:p>
+                    <a:p>
+                      <a:pPr algn="ctr"/>
+                      <a:r>
+                        <a:rPr lang="en-AU" sz="1600" kern="1200" dirty="0">
+                          <a:effectLst/>
+                        </a:rPr>
+                        <a:t>reduce emission load by 5% per year </a:t>
                       </a:r>
                       <a:endParaRPr lang="en-AU" altLang="en-US" sz="1600" kern="1200" dirty="0">
                         <a:effectLst/>
@@ -20934,9 +20970,9 @@
         <p:grpSpPr>
           <a:xfrm>
             <a:off x="6096000" y="1548989"/>
-            <a:ext cx="6251992" cy="4331835"/>
+            <a:ext cx="5593812" cy="4610005"/>
             <a:chOff x="6152022" y="1134805"/>
-            <a:chExt cx="6251992" cy="4331835"/>
+            <a:chExt cx="5593812" cy="4610005"/>
           </a:xfrm>
         </p:grpSpPr>
         <p:grpSp>
@@ -21488,7 +21524,7 @@
           <p:spPr>
             <a:xfrm>
               <a:off x="7304964" y="1302022"/>
-              <a:ext cx="4670204" cy="646331"/>
+              <a:ext cx="4284575" cy="923330"/>
             </a:xfrm>
             <a:prstGeom prst="rect">
               <a:avLst/>
@@ -21532,7 +21568,7 @@
                   <a:ea typeface="微软雅黑" panose="020B0503020204020204" charset="-122"/>
                   <a:cs typeface="+mn-cs"/>
                 </a:rPr>
-                <a:t>Operating revenues return to pre-pandemic levels, increasing by 14.8%</a:t>
+                <a:t>Operating revenues return to pre-pandemic levels in 2022, increasing by 14.8%</a:t>
               </a:r>
               <a:endParaRPr kumimoji="0" lang="zh-CN" altLang="en-US" sz="1800" b="0" i="0" u="none" strike="noStrike" kern="1200" cap="none" spc="0" normalizeH="0" baseline="0" noProof="0" dirty="0">
                 <a:ln>
@@ -21590,6 +21626,33 @@
                 <a:defRPr/>
               </a:pPr>
               <a:r>
+                <a:rPr lang="en-AU" b="1" dirty="0">
+                  <a:solidFill>
+                    <a:prstClr val="black"/>
+                  </a:solidFill>
+                  <a:latin typeface="微软雅黑" panose="020B0503020204020204" charset="-122"/>
+                  <a:ea typeface="微软雅黑" panose="020B0503020204020204" charset="-122"/>
+                </a:rPr>
+                <a:t>Keep on p</a:t>
+              </a:r>
+              <a:r>
+                <a:rPr kumimoji="0" lang="en-AU" sz="1800" b="1" i="0" u="none" strike="noStrike" kern="1200" cap="none" spc="0" normalizeH="0" baseline="0" noProof="0" dirty="0" err="1">
+                  <a:ln>
+                    <a:noFill/>
+                  </a:ln>
+                  <a:solidFill>
+                    <a:prstClr val="black"/>
+                  </a:solidFill>
+                  <a:effectLst/>
+                  <a:uLnTx/>
+                  <a:uFillTx/>
+                  <a:latin typeface="微软雅黑" panose="020B0503020204020204" charset="-122"/>
+                  <a:ea typeface="微软雅黑" panose="020B0503020204020204" charset="-122"/>
+                  <a:cs typeface="+mn-cs"/>
+                </a:rPr>
+                <a:t>romoting</a:t>
+              </a:r>
+              <a:r>
                 <a:rPr kumimoji="0" lang="en-AU" sz="1800" b="1" i="0" u="none" strike="noStrike" kern="1200" cap="none" spc="0" normalizeH="0" baseline="0" noProof="0" dirty="0">
                   <a:ln>
                     <a:noFill/>
@@ -21604,7 +21667,7 @@
                   <a:ea typeface="微软雅黑" panose="020B0503020204020204" charset="-122"/>
                   <a:cs typeface="+mn-cs"/>
                 </a:rPr>
-                <a:t>Promoting Logistics 4.0 through Industrial upgrading</a:t>
+                <a:t> Logistics 4.0 in the following 5 years</a:t>
               </a:r>
               <a:endParaRPr kumimoji="0" lang="zh-CN" altLang="en-US" sz="1800" b="1" i="0" u="none" strike="noStrike" kern="1200" cap="none" spc="0" normalizeH="0" baseline="0" noProof="0" dirty="0">
                 <a:ln>
@@ -21632,7 +21695,7 @@
           <p:spPr>
             <a:xfrm>
               <a:off x="7304964" y="4821480"/>
-              <a:ext cx="5099050" cy="645160"/>
+              <a:ext cx="4440870" cy="923330"/>
             </a:xfrm>
             <a:prstGeom prst="rect">
               <a:avLst/>
@@ -21645,20 +21708,7 @@
             </a:bodyPr>
             <a:lstStyle/>
             <a:p>
-              <a:pPr marL="0" marR="0" lvl="0" indent="0" algn="l" defTabSz="914400" rtl="0" eaLnBrk="1" fontAlgn="auto" latinLnBrk="0" hangingPunct="1">
-                <a:lnSpc>
-                  <a:spcPct val="100000"/>
-                </a:lnSpc>
-                <a:spcBef>
-                  <a:spcPts val="0"/>
-                </a:spcBef>
-                <a:spcAft>
-                  <a:spcPts val="0"/>
-                </a:spcAft>
-                <a:buClrTx/>
-                <a:buSzTx/>
-                <a:buFontTx/>
-                <a:buNone/>
+              <a:pPr>
                 <a:defRPr/>
               </a:pPr>
               <a:r>
@@ -21676,55 +21726,24 @@
                   <a:ea typeface="微软雅黑" panose="020B0503020204020204" charset="-122"/>
                   <a:cs typeface="+mn-cs"/>
                 </a:rPr>
-                <a:t>Develop Green-logistics which</a:t>
+                <a:t>Develop Green-logistics in the following 5 years, </a:t>
               </a:r>
               <a:r>
-                <a:rPr kumimoji="0" lang="en-US" altLang="en-AU" sz="1800" b="1" i="0" u="none" strike="noStrike" kern="1200" cap="none" spc="0" normalizeH="0" baseline="0" noProof="0" dirty="0">
-                  <a:ln>
-                    <a:noFill/>
-                  </a:ln>
+                <a:rPr lang="en-AU" b="1" dirty="0">
                   <a:solidFill>
                     <a:prstClr val="black"/>
                   </a:solidFill>
-                  <a:effectLst/>
-                  <a:uLnTx/>
-                  <a:uFillTx/>
                   <a:latin typeface="微软雅黑" panose="020B0503020204020204" charset="-122"/>
                   <a:ea typeface="微软雅黑" panose="020B0503020204020204" charset="-122"/>
-                  <a:cs typeface="+mn-cs"/>
                 </a:rPr>
-                <a:t> </a:t>
+                <a:t>reduce emission load by 5% per year </a:t>
               </a:r>
-              <a:r>
-                <a:rPr kumimoji="0" lang="en-AU" sz="1800" b="1" i="0" u="none" strike="noStrike" kern="1200" cap="none" spc="0" normalizeH="0" baseline="0" noProof="0" dirty="0">
-                  <a:ln>
-                    <a:noFill/>
-                  </a:ln>
-                  <a:solidFill>
-                    <a:prstClr val="black"/>
-                  </a:solidFill>
-                  <a:effectLst/>
-                  <a:uLnTx/>
-                  <a:uFillTx/>
-                  <a:latin typeface="微软雅黑" panose="020B0503020204020204" charset="-122"/>
-                  <a:ea typeface="微软雅黑" panose="020B0503020204020204" charset="-122"/>
-                  <a:cs typeface="+mn-cs"/>
-                </a:rPr>
-                <a:t>aiming at reducing the environmental impact.</a:t>
-              </a:r>
-              <a:endParaRPr kumimoji="0" lang="zh-CN" altLang="en-US" sz="1800" b="1" i="0" u="none" strike="noStrike" kern="1200" cap="none" spc="0" normalizeH="0" baseline="0" noProof="0" dirty="0">
-                <a:ln>
-                  <a:noFill/>
-                </a:ln>
+              <a:endParaRPr lang="en-AU" altLang="en-US" b="1" dirty="0">
                 <a:solidFill>
                   <a:prstClr val="black"/>
                 </a:solidFill>
-                <a:effectLst/>
-                <a:uLnTx/>
-                <a:uFillTx/>
                 <a:latin typeface="微软雅黑" panose="020B0503020204020204" charset="-122"/>
                 <a:ea typeface="微软雅黑" panose="020B0503020204020204" charset="-122"/>
-                <a:cs typeface="+mn-cs"/>
               </a:endParaRPr>
             </a:p>
           </p:txBody>
@@ -24792,7 +24811,7 @@
           </p:nvSpPr>
           <p:spPr>
             <a:xfrm>
-              <a:off x="7583044" y="5534578"/>
+              <a:off x="7734724" y="5560969"/>
               <a:ext cx="1684805" cy="338554"/>
             </a:xfrm>
             <a:prstGeom prst="rect">
@@ -24865,7 +24884,7 @@
           </p:nvSpPr>
           <p:spPr>
             <a:xfrm>
-              <a:off x="10019213" y="5521032"/>
+              <a:off x="10105351" y="5520149"/>
               <a:ext cx="1074280" cy="338554"/>
             </a:xfrm>
             <a:prstGeom prst="rect">
@@ -24938,7 +24957,7 @@
           </p:nvSpPr>
           <p:spPr>
             <a:xfrm>
-              <a:off x="8896829" y="3464055"/>
+              <a:off x="9019912" y="3490855"/>
               <a:ext cx="1250680" cy="338554"/>
             </a:xfrm>
             <a:prstGeom prst="rect">
@@ -25215,7 +25234,7 @@
           </p:nvSpPr>
           <p:spPr>
             <a:xfrm>
-              <a:off x="9092932" y="4747956"/>
+              <a:off x="9171466" y="4753271"/>
               <a:ext cx="890232" cy="338554"/>
             </a:xfrm>
             <a:prstGeom prst="rect">
@@ -25501,7 +25520,7 @@
     </p:spTree>
     <p:extLst>
       <p:ext uri="{BB962C8B-B14F-4D97-AF65-F5344CB8AC3E}">
-        <p14:creationId xmlns:p14="http://schemas.microsoft.com/office/powerpoint/2010/main" val="796471842"/>
+        <p14:creationId xmlns:p14="http://schemas.microsoft.com/office/powerpoint/2010/main" val="4199321518"/>
       </p:ext>
     </p:extLst>
   </p:cSld>
@@ -26052,7 +26071,7 @@
         <p:spPr>
           <a:xfrm>
             <a:off x="961390" y="1917695"/>
-            <a:ext cx="4501515" cy="4939814"/>
+            <a:ext cx="4501515" cy="3554819"/>
           </a:xfrm>
           <a:prstGeom prst="rect">
             <a:avLst/>
@@ -26305,141 +26324,6 @@
                 <a:sym typeface="+mn-lt"/>
               </a:rPr>
               <a:t>Higher standard</a:t>
-            </a:r>
-          </a:p>
-          <a:p>
-            <a:pPr indent="0" fontAlgn="auto">
-              <a:lnSpc>
-                <a:spcPts val="1800"/>
-              </a:lnSpc>
-            </a:pPr>
-            <a:endParaRPr lang="en-US" altLang="zh-CN" sz="1600" dirty="0">
-              <a:solidFill>
-                <a:schemeClr val="tx1">
-                  <a:lumMod val="85000"/>
-                  <a:lumOff val="15000"/>
-                </a:schemeClr>
-              </a:solidFill>
-              <a:cs typeface="+mn-ea"/>
-              <a:sym typeface="+mn-lt"/>
-            </a:endParaRPr>
-          </a:p>
-          <a:p>
-            <a:pPr indent="0" fontAlgn="auto">
-              <a:lnSpc>
-                <a:spcPts val="1800"/>
-              </a:lnSpc>
-            </a:pPr>
-            <a:r>
-              <a:rPr lang="en-US" altLang="zh-CN" sz="1600" b="1" dirty="0">
-                <a:solidFill>
-                  <a:schemeClr val="tx1">
-                    <a:lumMod val="85000"/>
-                    <a:lumOff val="15000"/>
-                  </a:schemeClr>
-                </a:solidFill>
-                <a:cs typeface="+mn-ea"/>
-                <a:sym typeface="+mn-lt"/>
-              </a:rPr>
-              <a:t>Core Values</a:t>
-            </a:r>
-          </a:p>
-          <a:p>
-            <a:pPr marL="285750" indent="-285750" fontAlgn="auto">
-              <a:lnSpc>
-                <a:spcPts val="1800"/>
-              </a:lnSpc>
-              <a:buFont typeface="Arial" panose="020B0604020202020204" pitchFamily="34" charset="0"/>
-              <a:buChar char="•"/>
-            </a:pPr>
-            <a:r>
-              <a:rPr lang="en-US" altLang="zh-CN" sz="1600" dirty="0" err="1">
-                <a:solidFill>
-                  <a:schemeClr val="tx1">
-                    <a:lumMod val="85000"/>
-                    <a:lumOff val="15000"/>
-                  </a:schemeClr>
-                </a:solidFill>
-                <a:cs typeface="+mn-ea"/>
-                <a:sym typeface="+mn-lt"/>
-              </a:rPr>
-              <a:t>Safty</a:t>
-            </a:r>
-            <a:endParaRPr lang="en-US" altLang="zh-CN" sz="1600" dirty="0">
-              <a:solidFill>
-                <a:schemeClr val="tx1">
-                  <a:lumMod val="85000"/>
-                  <a:lumOff val="15000"/>
-                </a:schemeClr>
-              </a:solidFill>
-              <a:cs typeface="+mn-ea"/>
-              <a:sym typeface="+mn-lt"/>
-            </a:endParaRPr>
-          </a:p>
-          <a:p>
-            <a:pPr marL="285750" indent="-285750" fontAlgn="auto">
-              <a:lnSpc>
-                <a:spcPts val="1800"/>
-              </a:lnSpc>
-              <a:buFont typeface="Arial" panose="020B0604020202020204" pitchFamily="34" charset="0"/>
-              <a:buChar char="•"/>
-            </a:pPr>
-            <a:r>
-              <a:rPr lang="en-US" altLang="zh-CN" sz="1600" dirty="0">
-                <a:solidFill>
-                  <a:schemeClr val="tx1">
-                    <a:lumMod val="85000"/>
-                    <a:lumOff val="15000"/>
-                  </a:schemeClr>
-                </a:solidFill>
-                <a:cs typeface="+mn-ea"/>
-                <a:sym typeface="+mn-lt"/>
-              </a:rPr>
-              <a:t>Customer Service</a:t>
-            </a:r>
-          </a:p>
-          <a:p>
-            <a:pPr marL="285750" indent="-285750" fontAlgn="auto">
-              <a:lnSpc>
-                <a:spcPts val="1800"/>
-              </a:lnSpc>
-              <a:buFont typeface="Arial" panose="020B0604020202020204" pitchFamily="34" charset="0"/>
-              <a:buChar char="•"/>
-            </a:pPr>
-            <a:r>
-              <a:rPr lang="en-US" altLang="zh-CN" sz="1600" dirty="0">
-                <a:solidFill>
-                  <a:schemeClr val="tx1">
-                    <a:lumMod val="85000"/>
-                    <a:lumOff val="15000"/>
-                  </a:schemeClr>
-                </a:solidFill>
-                <a:cs typeface="+mn-ea"/>
-                <a:sym typeface="+mn-lt"/>
-              </a:rPr>
-              <a:t>People &amp; Community</a:t>
-            </a:r>
-          </a:p>
-          <a:p>
-            <a:pPr marL="285750" indent="-285750" fontAlgn="auto">
-              <a:lnSpc>
-                <a:spcPts val="1800"/>
-              </a:lnSpc>
-              <a:buFont typeface="Arial" panose="020B0604020202020204" pitchFamily="34" charset="0"/>
-              <a:buChar char="•"/>
-            </a:pPr>
-            <a:r>
-              <a:rPr lang="en-US" altLang="zh-CN" sz="1600" dirty="0">
-                <a:solidFill>
-                  <a:schemeClr val="tx1">
-                    <a:lumMod val="85000"/>
-                    <a:lumOff val="15000"/>
-                  </a:schemeClr>
-                </a:solidFill>
-                <a:cs typeface="+mn-ea"/>
-                <a:sym typeface="+mn-lt"/>
-              </a:rPr>
-              <a:t>Innovation</a:t>
             </a:r>
           </a:p>
           <a:p>
